--- a/CasoBCP_HansAmaro.pptx
+++ b/CasoBCP_HansAmaro.pptx
@@ -7,10 +7,11 @@
   <p:sldIdLst>
     <p:sldId id="256" r:id="rId2"/>
     <p:sldId id="258" r:id="rId3"/>
-    <p:sldId id="259" r:id="rId4"/>
-    <p:sldId id="262" r:id="rId5"/>
+    <p:sldId id="262" r:id="rId4"/>
+    <p:sldId id="259" r:id="rId5"/>
     <p:sldId id="260" r:id="rId6"/>
-    <p:sldId id="257" r:id="rId7"/>
+    <p:sldId id="263" r:id="rId7"/>
+    <p:sldId id="257" r:id="rId8"/>
   </p:sldIdLst>
   <p:sldSz cx="12192000" cy="6858000"/>
   <p:notesSz cx="6858000" cy="9144000"/>
@@ -3614,7 +3615,11 @@
           <a:p>
             <a:r>
               <a:rPr lang="es-US" dirty="0" smtClean="0"/>
-              <a:t>AUTOR: AMARO ROBLADILLO, HANS JEFREYN</a:t>
+              <a:t>AUTOR: AMARO ROBLADILLO, HANS </a:t>
+            </a:r>
+            <a:r>
+              <a:rPr lang="es-US" dirty="0" smtClean="0"/>
+              <a:t>JEFREYN</a:t>
             </a:r>
             <a:endParaRPr lang="es-419" dirty="0"/>
           </a:p>
@@ -3672,7 +3677,7 @@
           <a:p>
             <a:r>
               <a:rPr lang="es-US" dirty="0" smtClean="0"/>
-              <a:t>CONTEXTO</a:t>
+              <a:t>PROBLEMATICA</a:t>
             </a:r>
             <a:endParaRPr lang="es-419" dirty="0"/>
           </a:p>
@@ -3690,15 +3695,38 @@
         </p:nvSpPr>
         <p:spPr>
           <a:xfrm>
-            <a:off x="1447191" y="1854927"/>
-            <a:ext cx="4645152" cy="3613800"/>
-          </a:xfrm>
-        </p:spPr>
-        <p:txBody>
-          <a:bodyPr/>
-          <a:lstStyle/>
-          <a:p>
-            <a:endParaRPr lang="es-419" dirty="0"/>
+            <a:off x="1447191" y="1854926"/>
+            <a:ext cx="4645152" cy="4023360"/>
+          </a:xfrm>
+        </p:spPr>
+        <p:txBody>
+          <a:bodyPr>
+            <a:normAutofit lnSpcReduction="10000"/>
+          </a:bodyPr>
+          <a:lstStyle/>
+          <a:p>
+            <a:r>
+              <a:rPr lang="es-US" dirty="0" smtClean="0"/>
+              <a:t>Participación del 23% del mercado, ubicándose como líder del segmento.</a:t>
+            </a:r>
+          </a:p>
+          <a:p>
+            <a:r>
+              <a:rPr lang="es-US" dirty="0" smtClean="0"/>
+              <a:t>Cantidad de Ventas nuevas han venido disminuyendo progresivamente, ubicándose como el 4to banco.</a:t>
+            </a:r>
+          </a:p>
+          <a:p>
+            <a:r>
+              <a:rPr lang="es-US" dirty="0" smtClean="0"/>
+              <a:t>40% de las tarjetas que el banco vende nunca se utilizan</a:t>
+            </a:r>
+          </a:p>
+          <a:p>
+            <a:r>
+              <a:rPr lang="es-US" dirty="0" smtClean="0"/>
+              <a:t>Costo de campaña es de 40 soles e incrementa la probabilidad de uso en 50%</a:t>
+            </a:r>
           </a:p>
         </p:txBody>
       </p:sp>
@@ -3724,7 +3752,7 @@
           <a:p>
             <a:r>
               <a:rPr lang="es-US" dirty="0" smtClean="0"/>
-              <a:t>PROBLEMATICA</a:t>
+              <a:t>OBJETIVO</a:t>
             </a:r>
             <a:endParaRPr lang="es-419" dirty="0"/>
           </a:p>
@@ -3743,12 +3771,30 @@
         <p:spPr>
           <a:xfrm>
             <a:off x="6412362" y="1854927"/>
-            <a:ext cx="4645152" cy="3603935"/>
-          </a:xfrm>
-        </p:spPr>
-        <p:txBody>
-          <a:bodyPr/>
-          <a:lstStyle/>
+            <a:ext cx="4645152" cy="4023359"/>
+          </a:xfrm>
+        </p:spPr>
+        <p:txBody>
+          <a:bodyPr/>
+          <a:lstStyle/>
+          <a:p>
+            <a:r>
+              <a:rPr lang="es-US" dirty="0" smtClean="0"/>
+              <a:t>Conocer la razón del porque existe un alto porcentaje de tarjetas no utilizadas.</a:t>
+            </a:r>
+          </a:p>
+          <a:p>
+            <a:r>
+              <a:rPr lang="es-US" dirty="0" smtClean="0"/>
+              <a:t>Calcular la probabilidad de uso de que una tarjeta sea usada a través del perfil del cliente.</a:t>
+            </a:r>
+          </a:p>
+          <a:p>
+            <a:r>
+              <a:rPr lang="es-US" dirty="0" smtClean="0"/>
+              <a:t>Implementar un modelo analítico para responder a las necesidades de información.</a:t>
+            </a:r>
+          </a:p>
           <a:p>
             <a:endParaRPr lang="es-419" dirty="0"/>
           </a:p>
@@ -3799,10 +3845,9 @@
           <a:bodyPr/>
           <a:lstStyle/>
           <a:p>
-            <a:pPr algn="ctr"/>
             <a:r>
               <a:rPr lang="es-US" dirty="0" smtClean="0"/>
-              <a:t>ALGORITMOS DE CLASIFICACIÓN</a:t>
+              <a:t>LIMPIEZA DE DATOS</a:t>
             </a:r>
             <a:endParaRPr lang="es-419" dirty="0"/>
           </a:p>
@@ -3818,14 +3863,21 @@
             <p:ph type="body" idx="1"/>
           </p:nvPr>
         </p:nvSpPr>
-        <p:spPr/>
-        <p:txBody>
-          <a:bodyPr/>
+        <p:spPr>
+          <a:xfrm>
+            <a:off x="1447191" y="1937459"/>
+            <a:ext cx="4645152" cy="404863"/>
+          </a:xfrm>
+        </p:spPr>
+        <p:txBody>
+          <a:bodyPr>
+            <a:normAutofit lnSpcReduction="10000"/>
+          </a:bodyPr>
           <a:lstStyle/>
           <a:p>
             <a:r>
               <a:rPr lang="es-US" dirty="0" smtClean="0"/>
-              <a:t>ARBOL DE DECISIÓN</a:t>
+              <a:t>ATRIBUTOS NUMERICOS</a:t>
             </a:r>
             <a:endParaRPr lang="es-419" dirty="0"/>
           </a:p>
@@ -3841,14 +3893,21 @@
             <p:ph type="body" sz="quarter" idx="3"/>
           </p:nvPr>
         </p:nvSpPr>
-        <p:spPr/>
-        <p:txBody>
-          <a:bodyPr/>
+        <p:spPr>
+          <a:xfrm>
+            <a:off x="6411913" y="1937459"/>
+            <a:ext cx="4645152" cy="404863"/>
+          </a:xfrm>
+        </p:spPr>
+        <p:txBody>
+          <a:bodyPr>
+            <a:normAutofit lnSpcReduction="10000"/>
+          </a:bodyPr>
           <a:lstStyle/>
           <a:p>
             <a:r>
               <a:rPr lang="es-US" dirty="0" smtClean="0"/>
-              <a:t>BOSQUES ALEATORIO</a:t>
+              <a:t>ATRIBUTOS CATEGORICOS</a:t>
             </a:r>
             <a:endParaRPr lang="es-419" dirty="0"/>
           </a:p>
@@ -3856,98 +3915,73 @@
       </p:sp>
       <p:pic>
         <p:nvPicPr>
-          <p:cNvPr id="1026" name="Picture 2" descr="Resultado de imagen para ARBOL DE DECISION"/>
+          <p:cNvPr id="7" name="Marcador de contenido 5"/>
           <p:cNvPicPr>
-            <a:picLocks noGrp="1" noChangeAspect="1" noChangeArrowheads="1"/>
+            <a:picLocks noGrp="1" noChangeAspect="1"/>
           </p:cNvPicPr>
           <p:nvPr>
             <p:ph sz="half" idx="2"/>
           </p:nvPr>
         </p:nvPicPr>
         <p:blipFill>
-          <a:blip r:embed="rId2">
-            <a:extLst>
-              <a:ext uri="{28A0092B-C50C-407E-A947-70E740481C1C}">
-                <a14:useLocalDpi xmlns:a14="http://schemas.microsoft.com/office/drawing/2010/main" val="0"/>
-              </a:ext>
-            </a:extLst>
-          </a:blip>
-          <a:srcRect/>
+          <a:blip r:embed="rId2"/>
           <a:stretch>
             <a:fillRect/>
           </a:stretch>
         </p:blipFill>
-        <p:spPr bwMode="auto">
-          <a:xfrm>
-            <a:off x="1447190" y="2821491"/>
-            <a:ext cx="4402131" cy="2952292"/>
+        <p:spPr>
+          <a:xfrm>
+            <a:off x="1501127" y="2534195"/>
+            <a:ext cx="4538371" cy="2934744"/>
           </a:xfrm>
           <a:prstGeom prst="rect">
             <a:avLst/>
           </a:prstGeom>
-          <a:noFill/>
-          <a:extLst>
-            <a:ext uri="{909E8E84-426E-40DD-AFC4-6F175D3DCCD1}">
-              <a14:hiddenFill xmlns:a14="http://schemas.microsoft.com/office/drawing/2010/main">
-                <a:solidFill>
-                  <a:srgbClr val="FFFFFF"/>
-                </a:solidFill>
-              </a14:hiddenFill>
-            </a:ext>
-          </a:extLst>
         </p:spPr>
       </p:pic>
       <p:pic>
         <p:nvPicPr>
-          <p:cNvPr id="1028" name="Picture 4" descr="Resultado de imagen para random forest"/>
+          <p:cNvPr id="8" name="Marcador de contenido 7"/>
           <p:cNvPicPr>
-            <a:picLocks noGrp="1" noChangeAspect="1" noChangeArrowheads="1"/>
+            <a:picLocks noGrp="1" noChangeAspect="1"/>
           </p:cNvPicPr>
           <p:nvPr>
             <p:ph sz="quarter" idx="4"/>
           </p:nvPr>
         </p:nvPicPr>
-        <p:blipFill rotWithShape="1">
-          <a:blip r:embed="rId3">
-            <a:extLst>
-              <a:ext uri="{28A0092B-C50C-407E-A947-70E740481C1C}">
-                <a14:useLocalDpi xmlns:a14="http://schemas.microsoft.com/office/drawing/2010/main" val="0"/>
-              </a:ext>
-            </a:extLst>
-          </a:blip>
-          <a:srcRect l="1636" r="1056"/>
-          <a:stretch/>
+        <p:blipFill>
+          <a:blip r:embed="rId3"/>
+          <a:stretch>
+            <a:fillRect/>
+          </a:stretch>
         </p:blipFill>
-        <p:spPr bwMode="auto">
-          <a:xfrm>
-            <a:off x="6479177" y="2820988"/>
-            <a:ext cx="4206240" cy="2952795"/>
+        <p:spPr>
+          <a:xfrm>
+            <a:off x="6411913" y="2756263"/>
+            <a:ext cx="4645025" cy="2442754"/>
           </a:xfrm>
           <a:prstGeom prst="rect">
             <a:avLst/>
           </a:prstGeom>
-          <a:noFill/>
-          <a:extLst>
-            <a:ext uri="{909E8E84-426E-40DD-AFC4-6F175D3DCCD1}">
-              <a14:hiddenFill xmlns:a14="http://schemas.microsoft.com/office/drawing/2010/main">
-                <a:solidFill>
-                  <a:srgbClr val="FFFFFF"/>
-                </a:solidFill>
-              </a14:hiddenFill>
-            </a:ext>
-          </a:extLst>
         </p:spPr>
       </p:pic>
     </p:spTree>
     <p:extLst>
       <p:ext uri="{BB962C8B-B14F-4D97-AF65-F5344CB8AC3E}">
-        <p14:creationId xmlns:p14="http://schemas.microsoft.com/office/powerpoint/2010/main" val="2484459765"/>
+        <p14:creationId xmlns:p14="http://schemas.microsoft.com/office/powerpoint/2010/main" val="3013588539"/>
       </p:ext>
     </p:extLst>
   </p:cSld>
   <p:clrMapOvr>
     <a:masterClrMapping/>
   </p:clrMapOvr>
+  <p:timing>
+    <p:tnLst>
+      <p:par>
+        <p:cTn id="1" dur="indefinite" restart="never" nodeType="tmRoot"/>
+      </p:par>
+    </p:tnLst>
+  </p:timing>
 </p:sld>
 </file>
 
@@ -3983,9 +4017,10 @@
           <a:bodyPr/>
           <a:lstStyle/>
           <a:p>
+            <a:pPr algn="ctr"/>
             <a:r>
               <a:rPr lang="es-US" dirty="0" smtClean="0"/>
-              <a:t>LIMPIEZA DE DATOS</a:t>
+              <a:t>ALGORITMOS DE CLASIFICACIÓN</a:t>
             </a:r>
             <a:endParaRPr lang="es-419" dirty="0"/>
           </a:p>
@@ -4008,7 +4043,7 @@
           <a:p>
             <a:r>
               <a:rPr lang="es-US" dirty="0" smtClean="0"/>
-              <a:t>ATRIBUTOS NUMERICOS</a:t>
+              <a:t>ARBOL DE DECISIÓN</a:t>
             </a:r>
             <a:endParaRPr lang="es-419" dirty="0"/>
           </a:p>
@@ -4031,7 +4066,7 @@
           <a:p>
             <a:r>
               <a:rPr lang="es-US" dirty="0" smtClean="0"/>
-              <a:t>ATRIBUTOS CATEGORICOS</a:t>
+              <a:t>BOSQUES ALEATORIO</a:t>
             </a:r>
             <a:endParaRPr lang="es-419" dirty="0"/>
           </a:p>
@@ -4039,60 +4074,92 @@
       </p:sp>
       <p:pic>
         <p:nvPicPr>
-          <p:cNvPr id="7" name="Marcador de contenido 5"/>
+          <p:cNvPr id="1026" name="Picture 2" descr="Resultado de imagen para ARBOL DE DECISION"/>
           <p:cNvPicPr>
-            <a:picLocks noGrp="1" noChangeAspect="1"/>
+            <a:picLocks noGrp="1" noChangeAspect="1" noChangeArrowheads="1"/>
           </p:cNvPicPr>
           <p:nvPr>
             <p:ph sz="half" idx="2"/>
           </p:nvPr>
         </p:nvPicPr>
         <p:blipFill>
-          <a:blip r:embed="rId2"/>
+          <a:blip r:embed="rId2">
+            <a:extLst>
+              <a:ext uri="{28A0092B-C50C-407E-A947-70E740481C1C}">
+                <a14:useLocalDpi xmlns:a14="http://schemas.microsoft.com/office/drawing/2010/main" val="0"/>
+              </a:ext>
+            </a:extLst>
+          </a:blip>
+          <a:srcRect/>
           <a:stretch>
             <a:fillRect/>
           </a:stretch>
         </p:blipFill>
-        <p:spPr>
-          <a:xfrm>
-            <a:off x="1501127" y="2824163"/>
-            <a:ext cx="4538371" cy="2644775"/>
+        <p:spPr bwMode="auto">
+          <a:xfrm>
+            <a:off x="1447190" y="2821491"/>
+            <a:ext cx="4402131" cy="2952292"/>
           </a:xfrm>
           <a:prstGeom prst="rect">
             <a:avLst/>
           </a:prstGeom>
+          <a:noFill/>
+          <a:extLst>
+            <a:ext uri="{909E8E84-426E-40DD-AFC4-6F175D3DCCD1}">
+              <a14:hiddenFill xmlns:a14="http://schemas.microsoft.com/office/drawing/2010/main">
+                <a:solidFill>
+                  <a:srgbClr val="FFFFFF"/>
+                </a:solidFill>
+              </a14:hiddenFill>
+            </a:ext>
+          </a:extLst>
         </p:spPr>
       </p:pic>
       <p:pic>
         <p:nvPicPr>
-          <p:cNvPr id="8" name="Marcador de contenido 7"/>
+          <p:cNvPr id="1028" name="Picture 4" descr="Resultado de imagen para random forest"/>
           <p:cNvPicPr>
-            <a:picLocks noGrp="1" noChangeAspect="1"/>
+            <a:picLocks noGrp="1" noChangeAspect="1" noChangeArrowheads="1"/>
           </p:cNvPicPr>
           <p:nvPr>
             <p:ph sz="quarter" idx="4"/>
           </p:nvPr>
         </p:nvPicPr>
-        <p:blipFill>
-          <a:blip r:embed="rId3"/>
-          <a:stretch>
-            <a:fillRect/>
-          </a:stretch>
+        <p:blipFill rotWithShape="1">
+          <a:blip r:embed="rId3">
+            <a:extLst>
+              <a:ext uri="{28A0092B-C50C-407E-A947-70E740481C1C}">
+                <a14:useLocalDpi xmlns:a14="http://schemas.microsoft.com/office/drawing/2010/main" val="0"/>
+              </a:ext>
+            </a:extLst>
+          </a:blip>
+          <a:srcRect l="1636" r="1056"/>
+          <a:stretch/>
         </p:blipFill>
-        <p:spPr>
-          <a:xfrm>
-            <a:off x="6411913" y="2987761"/>
-            <a:ext cx="4645025" cy="2211256"/>
+        <p:spPr bwMode="auto">
+          <a:xfrm>
+            <a:off x="6479177" y="2820988"/>
+            <a:ext cx="4206240" cy="2952795"/>
           </a:xfrm>
           <a:prstGeom prst="rect">
             <a:avLst/>
           </a:prstGeom>
+          <a:noFill/>
+          <a:extLst>
+            <a:ext uri="{909E8E84-426E-40DD-AFC4-6F175D3DCCD1}">
+              <a14:hiddenFill xmlns:a14="http://schemas.microsoft.com/office/drawing/2010/main">
+                <a:solidFill>
+                  <a:srgbClr val="FFFFFF"/>
+                </a:solidFill>
+              </a14:hiddenFill>
+            </a:ext>
+          </a:extLst>
         </p:spPr>
       </p:pic>
     </p:spTree>
     <p:extLst>
       <p:ext uri="{BB962C8B-B14F-4D97-AF65-F5344CB8AC3E}">
-        <p14:creationId xmlns:p14="http://schemas.microsoft.com/office/powerpoint/2010/main" val="3013588539"/>
+        <p14:creationId xmlns:p14="http://schemas.microsoft.com/office/powerpoint/2010/main" val="2484459765"/>
       </p:ext>
     </p:extLst>
   </p:cSld>
@@ -4136,7 +4203,7 @@
           <a:p>
             <a:r>
               <a:rPr lang="es-US" dirty="0" smtClean="0"/>
-              <a:t>ARBOL DE DECISION</a:t>
+              <a:t>IMPLEMENTACION DEL Bosque aleatorio</a:t>
             </a:r>
             <a:endParaRPr lang="es-419" dirty="0"/>
           </a:p>
@@ -4157,7 +4224,158 @@
           <a:bodyPr/>
           <a:lstStyle/>
           <a:p>
-            <a:endParaRPr lang="es-419"/>
+            <a:pPr marL="0" indent="0">
+              <a:buNone/>
+            </a:pPr>
+            <a:endParaRPr lang="es-419" dirty="0" smtClean="0"/>
+          </a:p>
+          <a:p>
+            <a:pPr marL="0" indent="0">
+              <a:buNone/>
+            </a:pPr>
+            <a:endParaRPr lang="es-419" dirty="0" smtClean="0"/>
+          </a:p>
+          <a:p>
+            <a:pPr marL="0" indent="0">
+              <a:buNone/>
+            </a:pPr>
+            <a:endParaRPr lang="es-419" dirty="0" smtClean="0"/>
+          </a:p>
+          <a:p>
+            <a:pPr marL="0" indent="0">
+              <a:buNone/>
+            </a:pPr>
+            <a:endParaRPr lang="es-419" dirty="0" smtClean="0"/>
+          </a:p>
+          <a:p>
+            <a:pPr marL="0" indent="0">
+              <a:buNone/>
+            </a:pPr>
+            <a:endParaRPr lang="es-419" dirty="0" smtClean="0"/>
+          </a:p>
+          <a:p>
+            <a:pPr marL="0" indent="0">
+              <a:buNone/>
+            </a:pPr>
+            <a:endParaRPr lang="es-419" dirty="0"/>
+          </a:p>
+        </p:txBody>
+      </p:sp>
+      <p:pic>
+        <p:nvPicPr>
+          <p:cNvPr id="5" name="Imagen 4"/>
+          <p:cNvPicPr>
+            <a:picLocks noChangeAspect="1"/>
+          </p:cNvPicPr>
+          <p:nvPr/>
+        </p:nvPicPr>
+        <p:blipFill>
+          <a:blip r:embed="rId2"/>
+          <a:stretch>
+            <a:fillRect/>
+          </a:stretch>
+        </p:blipFill>
+        <p:spPr>
+          <a:xfrm>
+            <a:off x="1451579" y="2015732"/>
+            <a:ext cx="5124450" cy="3352800"/>
+          </a:xfrm>
+          <a:prstGeom prst="rect">
+            <a:avLst/>
+          </a:prstGeom>
+        </p:spPr>
+      </p:pic>
+      <p:pic>
+        <p:nvPicPr>
+          <p:cNvPr id="6" name="Imagen 5"/>
+          <p:cNvPicPr>
+            <a:picLocks noChangeAspect="1"/>
+          </p:cNvPicPr>
+          <p:nvPr/>
+        </p:nvPicPr>
+        <p:blipFill>
+          <a:blip r:embed="rId3"/>
+          <a:stretch>
+            <a:fillRect/>
+          </a:stretch>
+        </p:blipFill>
+        <p:spPr>
+          <a:xfrm>
+            <a:off x="7987719" y="2932203"/>
+            <a:ext cx="2590145" cy="1731237"/>
+          </a:xfrm>
+          <a:prstGeom prst="rect">
+            <a:avLst/>
+          </a:prstGeom>
+        </p:spPr>
+      </p:pic>
+      <p:sp>
+        <p:nvSpPr>
+          <p:cNvPr id="7" name="CuadroTexto 6"/>
+          <p:cNvSpPr txBox="1"/>
+          <p:nvPr/>
+        </p:nvSpPr>
+        <p:spPr>
+          <a:xfrm>
+            <a:off x="8733602" y="2289302"/>
+            <a:ext cx="1098378" cy="369332"/>
+          </a:xfrm>
+          <a:prstGeom prst="rect">
+            <a:avLst/>
+          </a:prstGeom>
+          <a:noFill/>
+        </p:spPr>
+        <p:txBody>
+          <a:bodyPr wrap="none" rtlCol="0">
+            <a:spAutoFit/>
+          </a:bodyPr>
+          <a:lstStyle/>
+          <a:p>
+            <a:r>
+              <a:rPr lang="es-US" dirty="0" smtClean="0"/>
+              <a:t>OUTPUT</a:t>
+            </a:r>
+            <a:endParaRPr lang="es-419" dirty="0"/>
+          </a:p>
+        </p:txBody>
+      </p:sp>
+      <p:sp>
+        <p:nvSpPr>
+          <p:cNvPr id="8" name="Rectángulo 7"/>
+          <p:cNvSpPr/>
+          <p:nvPr/>
+        </p:nvSpPr>
+        <p:spPr>
+          <a:xfrm>
+            <a:off x="7283333" y="5395245"/>
+            <a:ext cx="3998915" cy="369332"/>
+          </a:xfrm>
+          <a:prstGeom prst="rect">
+            <a:avLst/>
+          </a:prstGeom>
+        </p:spPr>
+        <p:txBody>
+          <a:bodyPr wrap="none">
+            <a:spAutoFit/>
+          </a:bodyPr>
+          <a:lstStyle/>
+          <a:p>
+            <a:r>
+              <a:rPr lang="es-US" i="1" dirty="0" err="1"/>
+              <a:t>Codigo</a:t>
+            </a:r>
+            <a:r>
+              <a:rPr lang="es-US" i="1" dirty="0"/>
+              <a:t> fuente :https://github.com/</a:t>
+            </a:r>
+            <a:r>
+              <a:rPr lang="es-US" i="1" dirty="0" err="1"/>
+              <a:t>hymsly</a:t>
+            </a:r>
+            <a:r>
+              <a:rPr lang="es-US" i="1" dirty="0"/>
+              <a:t>/DS</a:t>
+            </a:r>
           </a:p>
         </p:txBody>
       </p:sp>
@@ -4171,10 +4389,126 @@
   <p:clrMapOvr>
     <a:masterClrMapping/>
   </p:clrMapOvr>
+  <p:timing>
+    <p:tnLst>
+      <p:par>
+        <p:cTn id="1" dur="indefinite" restart="never" nodeType="tmRoot"/>
+      </p:par>
+    </p:tnLst>
+  </p:timing>
 </p:sld>
 </file>
 
 <file path=ppt/slides/slide6.xml><?xml version="1.0" encoding="utf-8"?>
+<p:sld xmlns:a="http://schemas.openxmlformats.org/drawingml/2006/main" xmlns:r="http://schemas.openxmlformats.org/officeDocument/2006/relationships" xmlns:p="http://schemas.openxmlformats.org/presentationml/2006/main">
+  <p:cSld>
+    <p:spTree>
+      <p:nvGrpSpPr>
+        <p:cNvPr id="1" name=""/>
+        <p:cNvGrpSpPr/>
+        <p:nvPr/>
+      </p:nvGrpSpPr>
+      <p:grpSpPr>
+        <a:xfrm>
+          <a:off x="0" y="0"/>
+          <a:ext cx="0" cy="0"/>
+          <a:chOff x="0" y="0"/>
+          <a:chExt cx="0" cy="0"/>
+        </a:xfrm>
+      </p:grpSpPr>
+      <p:sp>
+        <p:nvSpPr>
+          <p:cNvPr id="3" name="Marcador de texto 2"/>
+          <p:cNvSpPr>
+            <a:spLocks noGrp="1"/>
+          </p:cNvSpPr>
+          <p:nvPr>
+            <p:ph type="body" idx="1"/>
+          </p:nvPr>
+        </p:nvSpPr>
+        <p:spPr>
+          <a:xfrm>
+            <a:off x="1447191" y="834867"/>
+            <a:ext cx="4645152" cy="801943"/>
+          </a:xfrm>
+        </p:spPr>
+        <p:txBody>
+          <a:bodyPr/>
+          <a:lstStyle/>
+          <a:p>
+            <a:r>
+              <a:rPr lang="es-US" dirty="0" smtClean="0"/>
+              <a:t>CONCLUSIONES</a:t>
+            </a:r>
+            <a:endParaRPr lang="es-419" dirty="0"/>
+          </a:p>
+        </p:txBody>
+      </p:sp>
+      <p:sp>
+        <p:nvSpPr>
+          <p:cNvPr id="4" name="Marcador de contenido 3"/>
+          <p:cNvSpPr>
+            <a:spLocks noGrp="1"/>
+          </p:cNvSpPr>
+          <p:nvPr>
+            <p:ph sz="half" idx="2"/>
+          </p:nvPr>
+        </p:nvSpPr>
+        <p:spPr>
+          <a:xfrm>
+            <a:off x="1447190" y="1854926"/>
+            <a:ext cx="5685129" cy="4023360"/>
+          </a:xfrm>
+        </p:spPr>
+        <p:txBody>
+          <a:bodyPr>
+            <a:normAutofit/>
+          </a:bodyPr>
+          <a:lstStyle/>
+          <a:p>
+            <a:r>
+              <a:rPr lang="es-US" dirty="0" smtClean="0"/>
+              <a:t>El modelo analítico implementado responde al 75% de casos presentados.</a:t>
+            </a:r>
+          </a:p>
+          <a:p>
+            <a:r>
+              <a:rPr lang="es-US" dirty="0" smtClean="0"/>
+              <a:t>Se necesita re-evaluar el impacto del uso de campañas, especialmente en los Clientes tipo A y B, por ser los clientes con mayor ingresos generado.</a:t>
+            </a:r>
+          </a:p>
+          <a:p>
+            <a:endParaRPr lang="es-US" dirty="0" smtClean="0"/>
+          </a:p>
+          <a:p>
+            <a:endParaRPr lang="es-US" dirty="0" smtClean="0"/>
+          </a:p>
+          <a:p>
+            <a:endParaRPr lang="es-US" dirty="0"/>
+          </a:p>
+        </p:txBody>
+      </p:sp>
+    </p:spTree>
+    <p:extLst>
+      <p:ext uri="{BB962C8B-B14F-4D97-AF65-F5344CB8AC3E}">
+        <p14:creationId xmlns:p14="http://schemas.microsoft.com/office/powerpoint/2010/main" val="606225819"/>
+      </p:ext>
+    </p:extLst>
+  </p:cSld>
+  <p:clrMapOvr>
+    <a:masterClrMapping/>
+  </p:clrMapOvr>
+  <p:timing>
+    <p:tnLst>
+      <p:par>
+        <p:cTn id="1" dur="indefinite" restart="never" nodeType="tmRoot"/>
+      </p:par>
+    </p:tnLst>
+  </p:timing>
+</p:sld>
+</file>
+
+<file path=ppt/slides/slide7.xml><?xml version="1.0" encoding="utf-8"?>
 <p:sld xmlns:a="http://schemas.openxmlformats.org/drawingml/2006/main" xmlns:r="http://schemas.openxmlformats.org/officeDocument/2006/relationships" xmlns:p="http://schemas.openxmlformats.org/presentationml/2006/main">
   <p:cSld>
     <p:spTree>
@@ -4242,6 +4576,13 @@
   <p:clrMapOvr>
     <a:masterClrMapping/>
   </p:clrMapOvr>
+  <p:timing>
+    <p:tnLst>
+      <p:par>
+        <p:cTn id="1" dur="indefinite" restart="never" nodeType="tmRoot"/>
+      </p:par>
+    </p:tnLst>
+  </p:timing>
 </p:sld>
 </file>
 
